--- a/LCD Doc.pptx
+++ b/LCD Doc.pptx
@@ -140,6 +140,66 @@
 </p:presentation>
 </file>
 
+<file path=ppt/changesInfos/changesInfo1.xml><?xml version="1.0" encoding="utf-8"?>
+<pc:chgInfo xmlns:a="http://schemas.openxmlformats.org/drawingml/2006/main" xmlns:r="http://schemas.openxmlformats.org/officeDocument/2006/relationships" xmlns:ac="http://schemas.microsoft.com/office/drawing/2013/main/command" xmlns:pc="http://schemas.microsoft.com/office/powerpoint/2013/main/command">
+  <pc:docChgLst>
+    <pc:chgData name="Albert Garangou Culebras" userId="a694e3e7-d272-4285-8642-a5dcb48bb35f" providerId="ADAL" clId="{F9892FF5-CDC7-4220-98C0-3C7FEAAFB8D5}"/>
+    <pc:docChg chg="modSld">
+      <pc:chgData name="Albert Garangou Culebras" userId="a694e3e7-d272-4285-8642-a5dcb48bb35f" providerId="ADAL" clId="{F9892FF5-CDC7-4220-98C0-3C7FEAAFB8D5}" dt="2021-04-15T15:44:36.700" v="0" actId="9405"/>
+      <pc:docMkLst>
+        <pc:docMk/>
+      </pc:docMkLst>
+      <pc:sldChg chg="addSp mod">
+        <pc:chgData name="Albert Garangou Culebras" userId="a694e3e7-d272-4285-8642-a5dcb48bb35f" providerId="ADAL" clId="{F9892FF5-CDC7-4220-98C0-3C7FEAAFB8D5}" dt="2021-04-15T15:44:36.700" v="0" actId="9405"/>
+        <pc:sldMkLst>
+          <pc:docMk/>
+          <pc:sldMk cId="0" sldId="256"/>
+        </pc:sldMkLst>
+        <pc:inkChg chg="add">
+          <ac:chgData name="Albert Garangou Culebras" userId="a694e3e7-d272-4285-8642-a5dcb48bb35f" providerId="ADAL" clId="{F9892FF5-CDC7-4220-98C0-3C7FEAAFB8D5}" dt="2021-04-15T15:44:36.700" v="0" actId="9405"/>
+          <ac:inkMkLst>
+            <pc:docMk/>
+            <pc:sldMk cId="0" sldId="256"/>
+            <ac:inkMk id="5" creationId="{6150EBF6-AA40-416D-9438-460A7914A4E0}"/>
+          </ac:inkMkLst>
+        </pc:inkChg>
+      </pc:sldChg>
+    </pc:docChg>
+  </pc:docChgLst>
+</pc:chgInfo>
+</file>
+
+<file path=ppt/ink/ink1.xml><?xml version="1.0" encoding="utf-8"?>
+<inkml:ink xmlns:inkml="http://www.w3.org/2003/InkML">
+  <inkml:definitions>
+    <inkml:context xml:id="ctx0">
+      <inkml:inkSource xml:id="inkSrc0">
+        <inkml:traceFormat>
+          <inkml:channel name="X" type="integer" min="-2.14748E9" max="2.14748E9" units="cm"/>
+          <inkml:channel name="Y" type="integer" min="-2.14748E9" max="2.14748E9" units="cm"/>
+          <inkml:channel name="F" type="integer" max="32767" units="dev"/>
+          <inkml:channel name="OA" type="integer" max="360" units="deg"/>
+          <inkml:channel name="OE" type="integer" max="90" units="deg"/>
+        </inkml:traceFormat>
+        <inkml:channelProperties>
+          <inkml:channelProperty channel="X" name="resolution" value="1000" units="1/cm"/>
+          <inkml:channelProperty channel="Y" name="resolution" value="1000" units="1/cm"/>
+          <inkml:channelProperty channel="F" name="resolution" value="0" units="1/dev"/>
+          <inkml:channelProperty channel="OA" name="resolution" value="1000" units="1/deg"/>
+          <inkml:channelProperty channel="OE" name="resolution" value="1000" units="1/deg"/>
+        </inkml:channelProperties>
+      </inkml:inkSource>
+      <inkml:timestamp xml:id="ts0" timeString="2021-04-15T15:44:36.629"/>
+    </inkml:context>
+    <inkml:brush xml:id="br0">
+      <inkml:brushProperty name="width" value="0.05" units="cm"/>
+      <inkml:brushProperty name="height" value="0.05" units="cm"/>
+    </inkml:brush>
+  </inkml:definitions>
+  <inkml:trace contextRef="#ctx0" brushRef="#br0">35 16 7920 0 0,'0'0'168'0'0,"0"-7"40"0"0,-5-1 232 0 0,-3 8-440 0 0,0 4 0 0 0,-5 3-3472 0 0</inkml:trace>
+</inkml:ink>
+</file>
+
 <file path=ppt/slideLayouts/slideLayout1.xml><?xml version="1.0" encoding="utf-8"?>
 <p:sldLayout xmlns:a="http://schemas.openxmlformats.org/drawingml/2006/main" xmlns:r="http://schemas.openxmlformats.org/officeDocument/2006/relationships" xmlns:p="http://schemas.openxmlformats.org/presentationml/2006/main" type="obj" preserve="1">
   <p:cSld name="Title Slide">
@@ -279,7 +339,7 @@
           <a:p>
             <a:fld id="{1D8BD707-D9CF-40AE-B4C6-C98DA3205C09}" type="datetimeFigureOut">
               <a:rPr lang="en-US"/>
-              <a:t>4/12/2021</a:t>
+              <a:t>4/15/2021</a:t>
             </a:fld>
             <a:endParaRPr lang="en-US"/>
           </a:p>
@@ -317,7 +377,7 @@
             </a:pPr>
             <a:fld id="{81D60167-4931-47E6-BA6A-407CBD079E47}" type="slidenum">
               <a:rPr dirty="0"/>
-              <a:t>‹Nº›</a:t>
+              <a:t>‹#›</a:t>
             </a:fld>
             <a:endParaRPr dirty="0"/>
           </a:p>
@@ -462,7 +522,7 @@
           <a:p>
             <a:fld id="{1D8BD707-D9CF-40AE-B4C6-C98DA3205C09}" type="datetimeFigureOut">
               <a:rPr lang="en-US"/>
-              <a:t>4/12/2021</a:t>
+              <a:t>4/15/2021</a:t>
             </a:fld>
             <a:endParaRPr lang="en-US"/>
           </a:p>
@@ -500,7 +560,7 @@
             </a:pPr>
             <a:fld id="{81D60167-4931-47E6-BA6A-407CBD079E47}" type="slidenum">
               <a:rPr dirty="0"/>
-              <a:t>‹Nº›</a:t>
+              <a:t>‹#›</a:t>
             </a:fld>
             <a:endParaRPr dirty="0"/>
           </a:p>
@@ -1051,7 +1111,7 @@
           <a:p>
             <a:fld id="{1D8BD707-D9CF-40AE-B4C6-C98DA3205C09}" type="datetimeFigureOut">
               <a:rPr lang="en-US"/>
-              <a:t>4/12/2021</a:t>
+              <a:t>4/15/2021</a:t>
             </a:fld>
             <a:endParaRPr lang="en-US"/>
           </a:p>
@@ -1089,7 +1149,7 @@
             </a:pPr>
             <a:fld id="{81D60167-4931-47E6-BA6A-407CBD079E47}" type="slidenum">
               <a:rPr dirty="0"/>
-              <a:t>‹Nº›</a:t>
+              <a:t>‹#›</a:t>
             </a:fld>
             <a:endParaRPr dirty="0"/>
           </a:p>
@@ -1205,7 +1265,7 @@
           <a:p>
             <a:fld id="{1D8BD707-D9CF-40AE-B4C6-C98DA3205C09}" type="datetimeFigureOut">
               <a:rPr lang="en-US"/>
-              <a:t>4/12/2021</a:t>
+              <a:t>4/15/2021</a:t>
             </a:fld>
             <a:endParaRPr lang="en-US"/>
           </a:p>
@@ -1243,7 +1303,7 @@
             </a:pPr>
             <a:fld id="{81D60167-4931-47E6-BA6A-407CBD079E47}" type="slidenum">
               <a:rPr dirty="0"/>
-              <a:t>‹Nº›</a:t>
+              <a:t>‹#›</a:t>
             </a:fld>
             <a:endParaRPr dirty="0"/>
           </a:p>
@@ -1330,7 +1390,7 @@
           <a:p>
             <a:fld id="{1D8BD707-D9CF-40AE-B4C6-C98DA3205C09}" type="datetimeFigureOut">
               <a:rPr lang="en-US"/>
-              <a:t>4/12/2021</a:t>
+              <a:t>4/15/2021</a:t>
             </a:fld>
             <a:endParaRPr lang="en-US"/>
           </a:p>
@@ -1368,7 +1428,7 @@
             </a:pPr>
             <a:fld id="{81D60167-4931-47E6-BA6A-407CBD079E47}" type="slidenum">
               <a:rPr dirty="0"/>
-              <a:t>‹Nº›</a:t>
+              <a:t>‹#›</a:t>
             </a:fld>
             <a:endParaRPr dirty="0"/>
           </a:p>
@@ -1590,7 +1650,7 @@
           <a:p>
             <a:fld id="{1D8BD707-D9CF-40AE-B4C6-C98DA3205C09}" type="datetimeFigureOut">
               <a:rPr lang="en-US"/>
-              <a:t>4/12/2021</a:t>
+              <a:t>4/15/2021</a:t>
             </a:fld>
             <a:endParaRPr lang="en-US"/>
           </a:p>
@@ -1638,7 +1698,7 @@
             </a:pPr>
             <a:fld id="{81D60167-4931-47E6-BA6A-407CBD079E47}" type="slidenum">
               <a:rPr dirty="0"/>
-              <a:t>‹Nº›</a:t>
+              <a:t>‹#›</a:t>
             </a:fld>
             <a:endParaRPr dirty="0"/>
           </a:p>
@@ -1946,6 +2006,57 @@
           </a:p>
         </p:txBody>
       </p:sp>
+      <mc:AlternateContent xmlns:mc="http://schemas.openxmlformats.org/markup-compatibility/2006">
+        <mc:Choice xmlns:p14="http://schemas.microsoft.com/office/powerpoint/2010/main" Requires="p14">
+          <p:contentPart p14:bwMode="auto" r:id="rId3">
+            <p14:nvContentPartPr>
+              <p14:cNvPr id="5" name="Tinta 4">
+                <a:extLst>
+                  <a:ext uri="{FF2B5EF4-FFF2-40B4-BE49-F238E27FC236}">
+                    <a16:creationId xmlns:a16="http://schemas.microsoft.com/office/drawing/2014/main" id="{6150EBF6-AA40-416D-9438-460A7914A4E0}"/>
+                  </a:ext>
+                </a:extLst>
+              </p14:cNvPr>
+              <p14:cNvContentPartPr/>
+              <p14:nvPr/>
+            </p14:nvContentPartPr>
+            <p14:xfrm>
+              <a:off x="-1414537" y="1514933"/>
+              <a:ext cx="12600" cy="5760"/>
+            </p14:xfrm>
+          </p:contentPart>
+        </mc:Choice>
+        <mc:Fallback>
+          <p:pic>
+            <p:nvPicPr>
+              <p:cNvPr id="5" name="Tinta 4">
+                <a:extLst>
+                  <a:ext uri="{FF2B5EF4-FFF2-40B4-BE49-F238E27FC236}">
+                    <a16:creationId xmlns:a16="http://schemas.microsoft.com/office/drawing/2014/main" id="{6150EBF6-AA40-416D-9438-460A7914A4E0}"/>
+                  </a:ext>
+                </a:extLst>
+              </p:cNvPr>
+              <p:cNvPicPr/>
+              <p:nvPr/>
+            </p:nvPicPr>
+            <p:blipFill>
+              <a:blip r:embed="rId4"/>
+              <a:stretch>
+                <a:fillRect/>
+              </a:stretch>
+            </p:blipFill>
+            <p:spPr>
+              <a:xfrm>
+                <a:off x="-1423177" y="1506293"/>
+                <a:ext cx="30240" cy="23400"/>
+              </a:xfrm>
+              <a:prstGeom prst="rect">
+                <a:avLst/>
+              </a:prstGeom>
+            </p:spPr>
+          </p:pic>
+        </mc:Fallback>
+      </mc:AlternateContent>
     </p:spTree>
   </p:cSld>
   <p:clrMapOvr>
@@ -12945,15 +13056,15 @@
               </a:spcBef>
             </a:pPr>
             <a:r>
-              <a:rPr lang="es-ES" sz="1800" spc="-5" dirty="0" err="1" smtClean="0"/>
+              <a:rPr lang="es-ES" sz="1800" spc="-5" dirty="0" err="1"/>
               <a:t>End</a:t>
             </a:r>
             <a:r>
-              <a:rPr lang="es-ES" sz="1800" spc="-5" dirty="0" smtClean="0"/>
+              <a:rPr lang="es-ES" sz="1800" spc="-5" dirty="0"/>
               <a:t> of </a:t>
             </a:r>
             <a:r>
-              <a:rPr lang="es-ES" sz="1800" spc="-5" dirty="0" err="1" smtClean="0"/>
+              <a:rPr lang="es-ES" sz="1800" spc="-5" dirty="0" err="1"/>
               <a:t>initialization</a:t>
             </a:r>
             <a:endParaRPr sz="1800" dirty="0"/>
@@ -15239,21 +15350,63 @@
               </a:spcBef>
             </a:pPr>
             <a:r>
-              <a:rPr lang="es-ES" sz="1800" dirty="0" smtClean="0">
+              <a:rPr lang="es-ES" sz="1800" dirty="0">
                 <a:latin typeface="Arial"/>
                 <a:cs typeface="Arial"/>
               </a:rPr>
               <a:t>	</a:t>
             </a:r>
             <a:r>
-              <a:rPr lang="es-ES" sz="1800" dirty="0" err="1" smtClean="0">
+              <a:rPr lang="es-ES" sz="1800" dirty="0" err="1">
                 <a:latin typeface="Arial"/>
                 <a:cs typeface="Arial"/>
               </a:rPr>
               <a:t>Wait</a:t>
             </a:r>
             <a:r>
-              <a:rPr sz="1800" dirty="0" smtClean="0">
+              <a:rPr sz="1800" dirty="0">
+                <a:latin typeface="Arial"/>
+                <a:cs typeface="Arial"/>
+              </a:rPr>
+              <a:t> &gt; 53 us o</a:t>
+            </a:r>
+            <a:r>
+              <a:rPr lang="es-ES" sz="1800" dirty="0">
+                <a:latin typeface="Arial"/>
+                <a:cs typeface="Arial"/>
+              </a:rPr>
+              <a:t>r</a:t>
+            </a:r>
+            <a:r>
+              <a:rPr sz="1800" dirty="0">
+                <a:latin typeface="Arial"/>
+                <a:cs typeface="Arial"/>
+              </a:rPr>
+              <a:t> </a:t>
+            </a:r>
+            <a:r>
+              <a:rPr lang="es-ES" sz="1800" spc="-5" dirty="0" err="1">
+                <a:latin typeface="Arial"/>
+                <a:cs typeface="Arial"/>
+              </a:rPr>
+              <a:t>until</a:t>
+            </a:r>
+            <a:r>
+              <a:rPr lang="es-ES" sz="1800" spc="-5" dirty="0">
+                <a:latin typeface="Arial"/>
+                <a:cs typeface="Arial"/>
+              </a:rPr>
+              <a:t> </a:t>
+            </a:r>
+            <a:r>
+              <a:rPr lang="es-ES" sz="1800" spc="-5" dirty="0" err="1">
+                <a:latin typeface="Arial"/>
+                <a:cs typeface="Arial"/>
+              </a:rPr>
+              <a:t>the</a:t>
+            </a:r>
+            <a:r>
+              <a:rPr lang="es-ES" sz="1800" spc="-5" dirty="0">
                 <a:latin typeface="Arial"/>
                 <a:cs typeface="Arial"/>
               </a:rPr>
@@ -15264,105 +15417,35 @@
                 <a:latin typeface="Arial"/>
                 <a:cs typeface="Arial"/>
               </a:rPr>
-              <a:t>&gt; 53 us </a:t>
+              <a:t>BUSY(DB7) </a:t>
             </a:r>
             <a:r>
-              <a:rPr sz="1800" dirty="0" smtClean="0">
+              <a:rPr lang="es-ES" sz="1800" spc="-5" dirty="0">
                 <a:latin typeface="Arial"/>
                 <a:cs typeface="Arial"/>
               </a:rPr>
-              <a:t>o</a:t>
+              <a:t>bit </a:t>
             </a:r>
             <a:r>
-              <a:rPr lang="es-ES" sz="1800" dirty="0" smtClean="0">
+              <a:rPr lang="es-ES" sz="1800" spc="-5" dirty="0" err="1">
                 <a:latin typeface="Arial"/>
                 <a:cs typeface="Arial"/>
               </a:rPr>
-              <a:t>r</a:t>
+              <a:t>is</a:t>
             </a:r>
             <a:r>
-              <a:rPr sz="1800" dirty="0" smtClean="0">
+              <a:rPr lang="es-ES" sz="1800" spc="-5" dirty="0">
                 <a:latin typeface="Arial"/>
                 <a:cs typeface="Arial"/>
               </a:rPr>
               <a:t> </a:t>
             </a:r>
             <a:r>
-              <a:rPr lang="es-ES" sz="1800" spc="-5" dirty="0" err="1" smtClean="0">
-                <a:latin typeface="Arial"/>
-                <a:cs typeface="Arial"/>
-              </a:rPr>
-              <a:t>until</a:t>
-            </a:r>
-            <a:r>
-              <a:rPr lang="es-ES" sz="1800" spc="-5" dirty="0" smtClean="0">
-                <a:latin typeface="Arial"/>
-                <a:cs typeface="Arial"/>
-              </a:rPr>
-              <a:t> </a:t>
-            </a:r>
-            <a:r>
-              <a:rPr lang="es-ES" sz="1800" spc="-5" dirty="0" err="1" smtClean="0">
-                <a:latin typeface="Arial"/>
-                <a:cs typeface="Arial"/>
-              </a:rPr>
-              <a:t>the</a:t>
-            </a:r>
-            <a:r>
-              <a:rPr lang="es-ES" sz="1800" spc="-5" dirty="0" smtClean="0">
-                <a:latin typeface="Arial"/>
-                <a:cs typeface="Arial"/>
-              </a:rPr>
-              <a:t> </a:t>
-            </a:r>
-            <a:r>
-              <a:rPr sz="1800" dirty="0" smtClean="0">
-                <a:latin typeface="Arial"/>
-                <a:cs typeface="Arial"/>
-              </a:rPr>
-              <a:t>BUSY(DB7</a:t>
-            </a:r>
-            <a:r>
               <a:rPr sz="1800" dirty="0">
                 <a:latin typeface="Arial"/>
                 <a:cs typeface="Arial"/>
               </a:rPr>
-              <a:t>) </a:t>
-            </a:r>
-            <a:r>
-              <a:rPr lang="es-ES" sz="1800" spc="-5" dirty="0" smtClean="0">
-                <a:latin typeface="Arial"/>
-                <a:cs typeface="Arial"/>
-              </a:rPr>
-              <a:t>bit </a:t>
-            </a:r>
-            <a:r>
-              <a:rPr lang="es-ES" sz="1800" spc="-5" dirty="0" err="1" smtClean="0">
-                <a:latin typeface="Arial"/>
-                <a:cs typeface="Arial"/>
-              </a:rPr>
-              <a:t>is</a:t>
-            </a:r>
-            <a:r>
-              <a:rPr lang="es-ES" sz="1800" spc="-5" dirty="0" smtClean="0">
-                <a:latin typeface="Arial"/>
-                <a:cs typeface="Arial"/>
-              </a:rPr>
-              <a:t> </a:t>
-            </a:r>
-            <a:r>
-              <a:rPr sz="1800" dirty="0" smtClean="0">
-                <a:latin typeface="Arial"/>
-                <a:cs typeface="Arial"/>
-              </a:rPr>
-              <a:t>0</a:t>
-            </a:r>
-            <a:r>
-              <a:rPr sz="1800" dirty="0">
-                <a:latin typeface="Arial"/>
-                <a:cs typeface="Arial"/>
-              </a:rPr>
-              <a:t>.</a:t>
+              <a:t>0.</a:t>
             </a:r>
           </a:p>
           <a:p>
@@ -15391,7 +15474,7 @@
               </a:tabLst>
             </a:pPr>
             <a:r>
-              <a:rPr lang="es-ES" sz="2400" dirty="0" err="1" smtClean="0">
+              <a:rPr lang="es-ES" sz="2400" dirty="0" err="1">
                 <a:solidFill>
                   <a:srgbClr val="0D0D0D"/>
                 </a:solidFill>
@@ -15401,7 +15484,7 @@
               <a:t>Turn</a:t>
             </a:r>
             <a:r>
-              <a:rPr lang="es-ES" sz="2400" dirty="0" smtClean="0">
+              <a:rPr lang="es-ES" sz="2400" dirty="0">
                 <a:solidFill>
                   <a:srgbClr val="0D0D0D"/>
                 </a:solidFill>
@@ -15411,7 +15494,7 @@
               <a:t> </a:t>
             </a:r>
             <a:r>
-              <a:rPr lang="es-ES" sz="2400" dirty="0" err="1" smtClean="0">
+              <a:rPr lang="es-ES" sz="2400" dirty="0" err="1">
                 <a:solidFill>
                   <a:srgbClr val="0D0D0D"/>
                 </a:solidFill>
@@ -15421,7 +15504,7 @@
               <a:t>on</a:t>
             </a:r>
             <a:r>
-              <a:rPr lang="es-ES" sz="2400" dirty="0" smtClean="0">
+              <a:rPr lang="es-ES" sz="2400" dirty="0">
                 <a:solidFill>
                   <a:srgbClr val="0D0D0D"/>
                 </a:solidFill>
@@ -15431,7 +15514,7 @@
               <a:t> </a:t>
             </a:r>
             <a:r>
-              <a:rPr lang="es-ES" sz="2400" dirty="0" err="1" smtClean="0">
+              <a:rPr lang="es-ES" sz="2400" dirty="0" err="1">
                 <a:solidFill>
                   <a:srgbClr val="0D0D0D"/>
                 </a:solidFill>
@@ -15441,7 +15524,7 @@
               <a:t>the</a:t>
             </a:r>
             <a:r>
-              <a:rPr lang="es-ES" sz="2400" dirty="0" smtClean="0">
+              <a:rPr lang="es-ES" sz="2400" dirty="0">
                 <a:solidFill>
                   <a:srgbClr val="0D0D0D"/>
                 </a:solidFill>
@@ -15451,7 +15534,7 @@
               <a:t> </a:t>
             </a:r>
             <a:r>
-              <a:rPr lang="es-ES" sz="2400" dirty="0" err="1" smtClean="0">
+              <a:rPr lang="es-ES" sz="2400" dirty="0" err="1">
                 <a:solidFill>
                   <a:srgbClr val="0D0D0D"/>
                 </a:solidFill>
@@ -15461,7 +15544,7 @@
               <a:t>display</a:t>
             </a:r>
             <a:r>
-              <a:rPr lang="es-ES" sz="2400" dirty="0" smtClean="0">
+              <a:rPr lang="es-ES" sz="2400" dirty="0">
                 <a:solidFill>
                   <a:srgbClr val="0D0D0D"/>
                 </a:solidFill>
@@ -15471,16 +15554,6 @@
               <a:t> </a:t>
             </a:r>
             <a:r>
-              <a:rPr sz="2400" dirty="0" smtClean="0">
-                <a:solidFill>
-                  <a:srgbClr val="0D0D0D"/>
-                </a:solidFill>
-                <a:latin typeface="Arial"/>
-                <a:cs typeface="Arial"/>
-              </a:rPr>
-              <a:t>(DB6=1</a:t>
-            </a:r>
-            <a:r>
               <a:rPr sz="2400" dirty="0">
                 <a:solidFill>
                   <a:srgbClr val="0D0D0D"/>
@@ -15488,7 +15561,7 @@
                 <a:latin typeface="Arial"/>
                 <a:cs typeface="Arial"/>
               </a:rPr>
-              <a:t>).</a:t>
+              <a:t>(DB6=1).</a:t>
             </a:r>
             <a:endParaRPr sz="2400" dirty="0">
               <a:latin typeface="Arial"/>
@@ -15520,7 +15593,7 @@
               <a:t>C </a:t>
             </a:r>
             <a:r>
-              <a:rPr lang="es-ES" sz="2400" dirty="0" err="1" smtClean="0">
+              <a:rPr lang="es-ES" sz="2400" dirty="0" err="1">
                 <a:solidFill>
                   <a:srgbClr val="0D0D0D"/>
                 </a:solidFill>
@@ -15530,7 +15603,7 @@
               <a:t>is</a:t>
             </a:r>
             <a:r>
-              <a:rPr lang="es-ES" sz="2400" dirty="0" smtClean="0">
+              <a:rPr lang="es-ES" sz="2400" dirty="0">
                 <a:solidFill>
                   <a:srgbClr val="0D0D0D"/>
                 </a:solidFill>
@@ -15540,7 +15613,7 @@
               <a:t> </a:t>
             </a:r>
             <a:r>
-              <a:rPr lang="es-ES" sz="2400" dirty="0" err="1" smtClean="0">
+              <a:rPr lang="es-ES" sz="2400" dirty="0" err="1">
                 <a:solidFill>
                   <a:srgbClr val="0D0D0D"/>
                 </a:solidFill>
@@ -15550,7 +15623,7 @@
               <a:t>used</a:t>
             </a:r>
             <a:r>
-              <a:rPr lang="es-ES" sz="2400" dirty="0" smtClean="0">
+              <a:rPr lang="es-ES" sz="2400" dirty="0">
                 <a:solidFill>
                   <a:srgbClr val="0D0D0D"/>
                 </a:solidFill>
@@ -15560,7 +15633,7 @@
               <a:t> to </a:t>
             </a:r>
             <a:r>
-              <a:rPr lang="es-ES" sz="2400" dirty="0" err="1" smtClean="0">
+              <a:rPr lang="es-ES" sz="2400" dirty="0" err="1">
                 <a:solidFill>
                   <a:srgbClr val="0D0D0D"/>
                 </a:solidFill>
@@ -15570,7 +15643,7 @@
               <a:t>make</a:t>
             </a:r>
             <a:r>
-              <a:rPr lang="es-ES" sz="2400" dirty="0" smtClean="0">
+              <a:rPr lang="es-ES" sz="2400" dirty="0">
                 <a:solidFill>
                   <a:srgbClr val="0D0D0D"/>
                 </a:solidFill>
@@ -15580,7 +15653,7 @@
               <a:t> </a:t>
             </a:r>
             <a:r>
-              <a:rPr lang="es-ES" sz="2400" dirty="0" err="1" smtClean="0">
+              <a:rPr lang="es-ES" sz="2400" dirty="0" err="1">
                 <a:solidFill>
                   <a:srgbClr val="0D0D0D"/>
                 </a:solidFill>
@@ -15590,7 +15663,7 @@
               <a:t>the</a:t>
             </a:r>
             <a:r>
-              <a:rPr lang="es-ES" sz="2400" dirty="0" smtClean="0">
+              <a:rPr lang="es-ES" sz="2400" dirty="0">
                 <a:solidFill>
                   <a:srgbClr val="0D0D0D"/>
                 </a:solidFill>
@@ -15600,14 +15673,24 @@
               <a:t> cursor visible </a:t>
             </a:r>
             <a:r>
-              <a:rPr sz="2400" dirty="0" smtClean="0">
+              <a:rPr sz="2400" dirty="0">
                 <a:solidFill>
                   <a:srgbClr val="0D0D0D"/>
                 </a:solidFill>
                 <a:latin typeface="Arial"/>
                 <a:cs typeface="Arial"/>
               </a:rPr>
-              <a:t>(C=1</a:t>
+              <a:t>(C=1) o</a:t>
+            </a:r>
+            <a:r>
+              <a:rPr lang="es-ES" sz="2400" dirty="0">
+                <a:solidFill>
+                  <a:srgbClr val="0D0D0D"/>
+                </a:solidFill>
+                <a:latin typeface="Arial"/>
+                <a:cs typeface="Arial"/>
+              </a:rPr>
+              <a:t>r</a:t>
             </a:r>
             <a:r>
               <a:rPr sz="2400" dirty="0">
@@ -15617,47 +15700,7 @@
                 <a:latin typeface="Arial"/>
                 <a:cs typeface="Arial"/>
               </a:rPr>
-              <a:t>) </a:t>
-            </a:r>
-            <a:r>
-              <a:rPr sz="2400" dirty="0" smtClean="0">
-                <a:solidFill>
-                  <a:srgbClr val="0D0D0D"/>
-                </a:solidFill>
-                <a:latin typeface="Arial"/>
-                <a:cs typeface="Arial"/>
-              </a:rPr>
-              <a:t>o</a:t>
-            </a:r>
-            <a:r>
-              <a:rPr lang="es-ES" sz="2400" dirty="0" smtClean="0">
-                <a:solidFill>
-                  <a:srgbClr val="0D0D0D"/>
-                </a:solidFill>
-                <a:latin typeface="Arial"/>
-                <a:cs typeface="Arial"/>
-              </a:rPr>
-              <a:t>r</a:t>
-            </a:r>
-            <a:r>
-              <a:rPr sz="2400" dirty="0" smtClean="0">
-                <a:solidFill>
-                  <a:srgbClr val="0D0D0D"/>
-                </a:solidFill>
-                <a:latin typeface="Arial"/>
-                <a:cs typeface="Arial"/>
-              </a:rPr>
-              <a:t> </a:t>
-            </a:r>
-            <a:r>
-              <a:rPr sz="2400" dirty="0">
-                <a:solidFill>
-                  <a:srgbClr val="0D0D0D"/>
-                </a:solidFill>
-                <a:latin typeface="Arial"/>
-                <a:cs typeface="Arial"/>
-              </a:rPr>
-              <a:t>invisible</a:t>
+              <a:t> invisible</a:t>
             </a:r>
             <a:r>
               <a:rPr sz="2400" spc="-110" dirty="0">
@@ -15710,7 +15753,7 @@
               <a:t>B </a:t>
             </a:r>
             <a:r>
-              <a:rPr lang="es-ES" sz="2400" dirty="0" err="1" smtClean="0">
+              <a:rPr lang="es-ES" sz="2400" dirty="0" err="1">
                 <a:solidFill>
                   <a:srgbClr val="0D0D0D"/>
                 </a:solidFill>
@@ -15720,7 +15763,7 @@
               <a:t>is</a:t>
             </a:r>
             <a:r>
-              <a:rPr lang="es-ES" sz="2400" dirty="0" smtClean="0">
+              <a:rPr lang="es-ES" sz="2400" dirty="0">
                 <a:solidFill>
                   <a:srgbClr val="0D0D0D"/>
                 </a:solidFill>
@@ -15730,7 +15773,7 @@
               <a:t> </a:t>
             </a:r>
             <a:r>
-              <a:rPr lang="es-ES" sz="2400" dirty="0" err="1" smtClean="0">
+              <a:rPr lang="es-ES" sz="2400" dirty="0" err="1">
                 <a:solidFill>
                   <a:srgbClr val="0D0D0D"/>
                 </a:solidFill>
@@ -15740,7 +15783,7 @@
               <a:t>the</a:t>
             </a:r>
             <a:r>
-              <a:rPr sz="2400" spc="10" dirty="0" smtClean="0">
+              <a:rPr sz="2400" spc="10" dirty="0">
                 <a:solidFill>
                   <a:srgbClr val="0D0D0D"/>
                 </a:solidFill>
@@ -15750,7 +15793,7 @@
               <a:t> </a:t>
             </a:r>
             <a:r>
-              <a:rPr sz="2400" spc="-5" dirty="0" smtClean="0">
+              <a:rPr sz="2400" spc="-5" dirty="0">
                 <a:solidFill>
                   <a:srgbClr val="0D0D0D"/>
                 </a:solidFill>
@@ -15760,7 +15803,7 @@
               <a:t>blinking</a:t>
             </a:r>
             <a:r>
-              <a:rPr lang="es-ES" sz="2400" spc="-5" dirty="0" smtClean="0">
+              <a:rPr lang="es-ES" sz="2400" spc="-5" dirty="0">
                 <a:solidFill>
                   <a:srgbClr val="0D0D0D"/>
                 </a:solidFill>
@@ -15770,7 +15813,7 @@
               <a:t> bit</a:t>
             </a:r>
             <a:r>
-              <a:rPr sz="2400" spc="-5" dirty="0" smtClean="0">
+              <a:rPr sz="2400" spc="-5" dirty="0">
                 <a:solidFill>
                   <a:srgbClr val="0D0D0D"/>
                 </a:solidFill>
@@ -15790,7 +15833,7 @@
               <a:t> </a:t>
             </a:r>
             <a:r>
-              <a:rPr lang="es-ES" sz="2400" spc="-5" dirty="0" err="1" smtClean="0">
+              <a:rPr lang="es-ES" sz="2400" spc="-5" dirty="0" err="1">
                 <a:solidFill>
                   <a:srgbClr val="0D0D0D"/>
                 </a:solidFill>
@@ -15800,7 +15843,7 @@
               <a:t>If</a:t>
             </a:r>
             <a:r>
-              <a:rPr lang="es-ES" sz="2400" spc="-5" dirty="0" smtClean="0">
+              <a:rPr lang="es-ES" sz="2400" spc="-5" dirty="0">
                 <a:solidFill>
                   <a:srgbClr val="0D0D0D"/>
                 </a:solidFill>
@@ -15810,7 +15853,7 @@
               <a:t> </a:t>
             </a:r>
             <a:r>
-              <a:rPr sz="2400" dirty="0" smtClean="0">
+              <a:rPr sz="2400" dirty="0">
                 <a:solidFill>
                   <a:srgbClr val="0D0D0D"/>
                 </a:solidFill>
@@ -15820,7 +15863,7 @@
               <a:t>B=1 </a:t>
             </a:r>
             <a:r>
-              <a:rPr lang="es-ES" sz="2400" dirty="0" err="1" smtClean="0">
+              <a:rPr lang="es-ES" sz="2400" dirty="0" err="1">
                 <a:solidFill>
                   <a:srgbClr val="0D0D0D"/>
                 </a:solidFill>
@@ -15830,7 +15873,7 @@
               <a:t>Blinking</a:t>
             </a:r>
             <a:r>
-              <a:rPr lang="es-ES" sz="2400" dirty="0" smtClean="0">
+              <a:rPr lang="es-ES" sz="2400" dirty="0">
                 <a:solidFill>
                   <a:srgbClr val="0D0D0D"/>
                 </a:solidFill>
@@ -15840,7 +15883,7 @@
               <a:t> </a:t>
             </a:r>
             <a:r>
-              <a:rPr lang="es-ES" sz="2400" dirty="0" err="1" smtClean="0">
+              <a:rPr lang="es-ES" sz="2400" dirty="0" err="1">
                 <a:solidFill>
                   <a:srgbClr val="0D0D0D"/>
                 </a:solidFill>
@@ -15850,7 +15893,7 @@
               <a:t>is</a:t>
             </a:r>
             <a:r>
-              <a:rPr lang="es-ES" sz="2400" dirty="0" smtClean="0">
+              <a:rPr lang="es-ES" sz="2400" dirty="0">
                 <a:solidFill>
                   <a:srgbClr val="0D0D0D"/>
                 </a:solidFill>
@@ -15860,7 +15903,7 @@
               <a:t> ON</a:t>
             </a:r>
             <a:r>
-              <a:rPr sz="2400" dirty="0" smtClean="0">
+              <a:rPr sz="2400" dirty="0">
                 <a:solidFill>
                   <a:srgbClr val="0D0D0D"/>
                 </a:solidFill>
@@ -15890,7 +15933,7 @@
               </a:tabLst>
             </a:pPr>
             <a:r>
-              <a:rPr lang="es-ES" sz="2400" b="1" u="heavy" spc="-5" dirty="0" err="1" smtClean="0">
+              <a:rPr lang="es-ES" sz="2400" b="1" u="heavy" spc="-5" dirty="0" err="1">
                 <a:solidFill>
                   <a:srgbClr val="0D0D0D"/>
                 </a:solidFill>
@@ -15905,7 +15948,7 @@
               <a:t>Repeat</a:t>
             </a:r>
             <a:r>
-              <a:rPr lang="es-ES" sz="2400" b="1" u="heavy" spc="-5" dirty="0" smtClean="0">
+              <a:rPr lang="es-ES" sz="2400" b="1" u="heavy" spc="-5" dirty="0">
                 <a:solidFill>
                   <a:srgbClr val="0D0D0D"/>
                 </a:solidFill>
@@ -15920,7 +15963,7 @@
               <a:t> </a:t>
             </a:r>
             <a:r>
-              <a:rPr lang="es-ES" sz="2400" b="1" u="heavy" spc="-5" dirty="0" err="1" smtClean="0">
+              <a:rPr lang="es-ES" sz="2400" b="1" u="heavy" spc="-5" dirty="0" err="1">
                 <a:solidFill>
                   <a:srgbClr val="0D0D0D"/>
                 </a:solidFill>
@@ -15935,7 +15978,7 @@
               <a:t>all</a:t>
             </a:r>
             <a:r>
-              <a:rPr lang="es-ES" sz="2400" b="1" u="heavy" spc="-5" dirty="0" smtClean="0">
+              <a:rPr lang="es-ES" sz="2400" b="1" u="heavy" spc="-5" dirty="0">
                 <a:solidFill>
                   <a:srgbClr val="0D0D0D"/>
                 </a:solidFill>
@@ -15950,7 +15993,7 @@
               <a:t> </a:t>
             </a:r>
             <a:r>
-              <a:rPr lang="es-ES" sz="2400" b="1" u="heavy" spc="-5" dirty="0" err="1" smtClean="0">
+              <a:rPr lang="es-ES" sz="2400" b="1" u="heavy" spc="-5" dirty="0" err="1">
                 <a:solidFill>
                   <a:srgbClr val="0D0D0D"/>
                 </a:solidFill>
@@ -15965,7 +16008,7 @@
               <a:t>the</a:t>
             </a:r>
             <a:r>
-              <a:rPr lang="es-ES" sz="2400" b="1" u="heavy" spc="-5" dirty="0" smtClean="0">
+              <a:rPr lang="es-ES" sz="2400" b="1" u="heavy" spc="-5" dirty="0">
                 <a:solidFill>
                   <a:srgbClr val="0D0D0D"/>
                 </a:solidFill>
@@ -15980,7 +16023,7 @@
               <a:t> </a:t>
             </a:r>
             <a:r>
-              <a:rPr lang="es-ES" sz="2400" b="1" u="heavy" spc="-5" dirty="0" err="1" smtClean="0">
+              <a:rPr lang="es-ES" sz="2400" b="1" u="heavy" spc="-5" dirty="0" err="1">
                 <a:solidFill>
                   <a:srgbClr val="0D0D0D"/>
                 </a:solidFill>
@@ -15995,7 +16038,7 @@
               <a:t>initialization</a:t>
             </a:r>
             <a:r>
-              <a:rPr lang="es-ES" sz="2400" b="1" u="heavy" spc="-5" dirty="0" smtClean="0">
+              <a:rPr lang="es-ES" sz="2400" b="1" u="heavy" spc="-5" dirty="0">
                 <a:solidFill>
                   <a:srgbClr val="0D0D0D"/>
                 </a:solidFill>
@@ -16010,7 +16053,7 @@
               <a:t> </a:t>
             </a:r>
             <a:r>
-              <a:rPr lang="es-ES" sz="2400" b="1" u="heavy" spc="-5" dirty="0" err="1" smtClean="0">
+              <a:rPr lang="es-ES" sz="2400" b="1" u="heavy" spc="-5" dirty="0" err="1">
                 <a:solidFill>
                   <a:srgbClr val="0D0D0D"/>
                 </a:solidFill>
@@ -16025,7 +16068,7 @@
               <a:t>process</a:t>
             </a:r>
             <a:r>
-              <a:rPr lang="es-ES" sz="2400" b="1" u="heavy" spc="-5" dirty="0" smtClean="0">
+              <a:rPr lang="es-ES" sz="2400" b="1" u="heavy" spc="-5" dirty="0">
                 <a:solidFill>
                   <a:srgbClr val="0D0D0D"/>
                 </a:solidFill>
@@ -16135,21 +16178,21 @@
               </a:spcBef>
             </a:pPr>
             <a:r>
-              <a:rPr sz="5400" spc="-5" dirty="0" smtClean="0">
+              <a:rPr sz="5400" spc="-5" dirty="0">
                 <a:latin typeface="Arial"/>
                 <a:cs typeface="Arial"/>
               </a:rPr>
               <a:t>Display</a:t>
             </a:r>
             <a:r>
-              <a:rPr lang="es-ES" sz="5400" spc="-5" dirty="0" smtClean="0">
+              <a:rPr lang="es-ES" sz="5400" spc="-5" dirty="0">
                 <a:latin typeface="Arial"/>
                 <a:cs typeface="Arial"/>
               </a:rPr>
               <a:t> </a:t>
             </a:r>
             <a:r>
-              <a:rPr sz="5400" dirty="0" smtClean="0">
+              <a:rPr sz="5400" dirty="0">
                 <a:latin typeface="Arial"/>
                 <a:cs typeface="Arial"/>
               </a:rPr>
@@ -41301,31 +41344,27 @@
                 <a:spcPts val="100"/>
               </a:spcBef>
             </a:pPr>
-            <a:r>
-              <a:rPr lang="es-ES" sz="1800" spc="-5" dirty="0" smtClean="0"/>
-              <a:t/>
-            </a:r>
             <a:br>
-              <a:rPr lang="es-ES" sz="1800" spc="-5" dirty="0" smtClean="0"/>
+              <a:rPr lang="es-ES" sz="1800" spc="-5" dirty="0"/>
             </a:br>
             <a:r>
-              <a:rPr lang="es-ES" sz="1800" spc="-5" dirty="0" err="1" smtClean="0"/>
+              <a:rPr lang="es-ES" sz="1800" spc="-5" dirty="0" err="1"/>
               <a:t>Power</a:t>
             </a:r>
             <a:r>
-              <a:rPr lang="es-ES" sz="1800" spc="-5" dirty="0" smtClean="0"/>
+              <a:rPr lang="es-ES" sz="1800" spc="-5" dirty="0"/>
               <a:t> </a:t>
             </a:r>
             <a:r>
-              <a:rPr lang="es-ES" sz="1800" spc="-5" dirty="0" err="1" smtClean="0"/>
+              <a:rPr lang="es-ES" sz="1800" spc="-5" dirty="0" err="1"/>
               <a:t>the</a:t>
             </a:r>
             <a:r>
-              <a:rPr lang="es-ES" sz="1800" spc="-5" dirty="0" smtClean="0"/>
+              <a:rPr lang="es-ES" sz="1800" spc="-5" dirty="0"/>
               <a:t> </a:t>
             </a:r>
             <a:r>
-              <a:rPr lang="es-ES" sz="1800" spc="-5" dirty="0" err="1" smtClean="0"/>
+              <a:rPr lang="es-ES" sz="1800" spc="-5" dirty="0" err="1"/>
               <a:t>display</a:t>
             </a:r>
             <a:r>
@@ -41333,71 +41372,71 @@
               <a:t>*</a:t>
             </a:r>
             <a:r>
-              <a:rPr sz="2000" dirty="0" smtClean="0"/>
+              <a:rPr sz="2000" dirty="0"/>
               <a:t> </a:t>
             </a:r>
             <a:r>
-              <a:rPr sz="2000" spc="-170" dirty="0" smtClean="0"/>
+              <a:rPr sz="2000" spc="-170" dirty="0"/>
               <a:t> </a:t>
             </a:r>
             <a:r>
-              <a:rPr lang="es-ES" sz="2000" spc="-170" dirty="0" smtClean="0"/>
+              <a:rPr lang="es-ES" sz="2000" spc="-170" dirty="0"/>
               <a:t>       *</a:t>
             </a:r>
             <a:r>
-              <a:rPr lang="es-ES" sz="2000" spc="-170" dirty="0" err="1" smtClean="0"/>
+              <a:rPr lang="es-ES" sz="2000" spc="-170" dirty="0" err="1"/>
               <a:t>The</a:t>
             </a:r>
             <a:r>
-              <a:rPr lang="es-ES" sz="2000" spc="-170" dirty="0" smtClean="0"/>
+              <a:rPr lang="es-ES" sz="2000" spc="-170" dirty="0"/>
               <a:t> </a:t>
             </a:r>
             <a:r>
-              <a:rPr lang="es-ES" sz="2000" spc="-170" dirty="0" err="1" smtClean="0"/>
+              <a:rPr lang="es-ES" sz="2000" spc="-170" dirty="0" err="1"/>
               <a:t>first</a:t>
             </a:r>
             <a:r>
-              <a:rPr lang="es-ES" sz="2000" spc="-170" dirty="0" smtClean="0"/>
+              <a:rPr lang="es-ES" sz="2000" spc="-170" dirty="0"/>
               <a:t> line of </a:t>
             </a:r>
             <a:r>
-              <a:rPr lang="es-ES" sz="2000" spc="-170" dirty="0" err="1" smtClean="0"/>
+              <a:rPr lang="es-ES" sz="2000" spc="-170" dirty="0" err="1"/>
               <a:t>the</a:t>
             </a:r>
             <a:r>
-              <a:rPr lang="es-ES" sz="2000" spc="-170" dirty="0" smtClean="0"/>
+              <a:rPr lang="es-ES" sz="2000" spc="-170" dirty="0"/>
               <a:t> </a:t>
             </a:r>
             <a:r>
-              <a:rPr lang="es-ES" sz="2000" spc="-170" dirty="0" err="1" smtClean="0"/>
+              <a:rPr lang="es-ES" sz="2000" spc="-170" dirty="0" err="1"/>
               <a:t>display</a:t>
             </a:r>
             <a:r>
-              <a:rPr lang="es-ES" sz="2000" spc="-170" dirty="0" smtClean="0"/>
+              <a:rPr lang="es-ES" sz="2000" spc="-170" dirty="0"/>
               <a:t> </a:t>
             </a:r>
             <a:r>
-              <a:rPr lang="es-ES" sz="2000" spc="-170" dirty="0" err="1" smtClean="0"/>
+              <a:rPr lang="es-ES" sz="2000" spc="-170" dirty="0" err="1"/>
               <a:t>is</a:t>
             </a:r>
             <a:r>
-              <a:rPr lang="es-ES" sz="2000" spc="-170" dirty="0" smtClean="0"/>
+              <a:rPr lang="es-ES" sz="2000" spc="-170" dirty="0"/>
               <a:t> 			</a:t>
             </a:r>
             <a:r>
-              <a:rPr lang="es-ES" sz="2000" spc="-170" dirty="0" err="1" smtClean="0"/>
+              <a:rPr lang="es-ES" sz="2000" spc="-170" dirty="0" err="1"/>
               <a:t>painted</a:t>
             </a:r>
             <a:r>
-              <a:rPr lang="es-ES" sz="2000" spc="-170" dirty="0" smtClean="0"/>
+              <a:rPr lang="es-ES" sz="2000" spc="-170" dirty="0"/>
               <a:t>  </a:t>
             </a:r>
             <a:r>
-              <a:rPr lang="es-ES" sz="2000" spc="-170" dirty="0" err="1" smtClean="0"/>
+              <a:rPr lang="es-ES" sz="2000" spc="-170" dirty="0" err="1"/>
               <a:t>black</a:t>
             </a:r>
             <a:r>
-              <a:rPr lang="es-ES" sz="2000" spc="-170" dirty="0" smtClean="0"/>
+              <a:rPr lang="es-ES" sz="2000" spc="-170" dirty="0"/>
               <a:t>.</a:t>
             </a:r>
             <a:endParaRPr sz="2000" dirty="0"/>
@@ -42371,25 +42410,18 @@
               </a:spcBef>
             </a:pPr>
             <a:r>
-              <a:rPr lang="es-ES" sz="1800" dirty="0" err="1" smtClean="0">
+              <a:rPr lang="es-ES" sz="1800" dirty="0" err="1">
                 <a:latin typeface="Arial"/>
                 <a:cs typeface="Arial"/>
               </a:rPr>
               <a:t>Wait</a:t>
             </a:r>
             <a:r>
-              <a:rPr sz="1800" dirty="0" smtClean="0">
-                <a:latin typeface="Arial"/>
-                <a:cs typeface="Arial"/>
-              </a:rPr>
-              <a:t> </a:t>
-            </a:r>
-            <a:r>
               <a:rPr sz="1800" dirty="0">
                 <a:latin typeface="Arial"/>
                 <a:cs typeface="Arial"/>
               </a:rPr>
-              <a:t>&gt; 100</a:t>
+              <a:t> &gt; 100</a:t>
             </a:r>
             <a:r>
               <a:rPr sz="1800" spc="-100" dirty="0">
@@ -43513,25 +43545,18 @@
               </a:spcBef>
             </a:pPr>
             <a:r>
-              <a:rPr lang="es-ES" sz="1800" dirty="0" err="1" smtClean="0">
+              <a:rPr lang="es-ES" sz="1800" dirty="0" err="1">
                 <a:latin typeface="Arial"/>
                 <a:cs typeface="Arial"/>
               </a:rPr>
               <a:t>Wait</a:t>
             </a:r>
             <a:r>
-              <a:rPr sz="1800" dirty="0" smtClean="0">
-                <a:latin typeface="Arial"/>
-                <a:cs typeface="Arial"/>
-              </a:rPr>
-              <a:t> </a:t>
-            </a:r>
-            <a:r>
               <a:rPr sz="1800" dirty="0">
                 <a:latin typeface="Arial"/>
                 <a:cs typeface="Arial"/>
               </a:rPr>
-              <a:t>&gt;</a:t>
+              <a:t> &gt;</a:t>
             </a:r>
             <a:r>
               <a:rPr sz="1800" spc="-75" dirty="0">
@@ -43782,25 +43807,18 @@
               </a:spcBef>
             </a:pPr>
             <a:r>
-              <a:rPr lang="es-ES" sz="1800" dirty="0" err="1" smtClean="0">
+              <a:rPr lang="es-ES" sz="1800" dirty="0" err="1">
                 <a:latin typeface="Arial"/>
                 <a:cs typeface="Arial"/>
               </a:rPr>
               <a:t>Wait</a:t>
             </a:r>
             <a:r>
-              <a:rPr sz="1800" dirty="0" smtClean="0">
-                <a:latin typeface="Arial"/>
-                <a:cs typeface="Arial"/>
-              </a:rPr>
-              <a:t> </a:t>
-            </a:r>
-            <a:r>
               <a:rPr sz="1800" dirty="0">
                 <a:latin typeface="Arial"/>
                 <a:cs typeface="Arial"/>
               </a:rPr>
-              <a:t>&gt; 100</a:t>
+              <a:t> &gt; 100</a:t>
             </a:r>
             <a:r>
               <a:rPr sz="1800" spc="-95" dirty="0">
@@ -44047,25 +44065,18 @@
               </a:spcBef>
             </a:pPr>
             <a:r>
-              <a:rPr lang="es-ES" sz="1800" dirty="0" err="1" smtClean="0">
+              <a:rPr lang="es-ES" sz="1800" dirty="0" err="1">
                 <a:latin typeface="Arial"/>
                 <a:cs typeface="Arial"/>
               </a:rPr>
               <a:t>Wait</a:t>
             </a:r>
             <a:r>
-              <a:rPr sz="1800" dirty="0" smtClean="0">
-                <a:latin typeface="Arial"/>
-                <a:cs typeface="Arial"/>
-              </a:rPr>
-              <a:t> </a:t>
-            </a:r>
-            <a:r>
               <a:rPr sz="1800" dirty="0">
                 <a:latin typeface="Arial"/>
                 <a:cs typeface="Arial"/>
               </a:rPr>
-              <a:t>&gt; 100</a:t>
+              <a:t> &gt; 100</a:t>
             </a:r>
             <a:r>
               <a:rPr sz="1800" spc="-95" dirty="0">
